--- a/docs/images/maximo-architecture-diagram.pptx
+++ b/docs/images/maximo-architecture-diagram.pptx
@@ -3613,7 +3613,7 @@
         </p:nvSpPr>
         <p:spPr>
           <a:xfrm>
-            <a:off x="9124434" y="5392588"/>
+            <a:off x="9218692" y="5343325"/>
             <a:ext cx="1651819" cy="276999"/>
           </a:xfrm>
           <a:prstGeom prst="rect">
@@ -5378,7 +5378,7 @@
         <p:spPr>
           <a:xfrm>
             <a:off x="3109765" y="5561333"/>
-            <a:ext cx="4283582" cy="0"/>
+            <a:ext cx="4232514" cy="0"/>
           </a:xfrm>
           <a:prstGeom prst="straightConnector1">
             <a:avLst/>
